--- a/Proposal/Project Proposal Slides Yilun Dai.pptx
+++ b/Proposal/Project Proposal Slides Yilun Dai.pptx
@@ -168,11 +168,7 @@
             </a:r>
             <a:r>
               <a:rPr lang="en-US" altLang="zh-CN" baseline="0" dirty="0" smtClean="0"/>
-              <a:t> First </a:t>
-            </a:r>
-            <a:r>
-              <a:rPr lang="en-US" altLang="zh-CN" baseline="0" dirty="0" smtClean="0"/>
-              <a:t>Love</a:t>
+              <a:t> First Love</a:t>
             </a:r>
           </a:p>
           <a:p>
@@ -359,11 +355,11 @@
         </c:dLbls>
         <c:gapWidth val="219"/>
         <c:overlap val="-27"/>
-        <c:axId val="-897602880"/>
-        <c:axId val="-897600560"/>
+        <c:axId val="1683910032"/>
+        <c:axId val="1684683760"/>
       </c:barChart>
       <c:catAx>
-        <c:axId val="-897602880"/>
+        <c:axId val="1683910032"/>
         <c:scaling>
           <c:orientation val="minMax"/>
         </c:scaling>
@@ -406,7 +402,7 @@
             <a:endParaRPr lang="en-US"/>
           </a:p>
         </c:txPr>
-        <c:crossAx val="-897600560"/>
+        <c:crossAx val="1684683760"/>
         <c:crosses val="autoZero"/>
         <c:auto val="1"/>
         <c:lblAlgn val="ctr"/>
@@ -414,7 +410,7 @@
         <c:noMultiLvlLbl val="0"/>
       </c:catAx>
       <c:valAx>
-        <c:axId val="-897600560"/>
+        <c:axId val="1684683760"/>
         <c:scaling>
           <c:orientation val="minMax"/>
         </c:scaling>
@@ -465,7 +461,7 @@
             <a:endParaRPr lang="en-US"/>
           </a:p>
         </c:txPr>
-        <c:crossAx val="-897602880"/>
+        <c:crossAx val="1683910032"/>
         <c:crosses val="autoZero"/>
         <c:crossBetween val="between"/>
       </c:valAx>
@@ -878,7 +874,7 @@
                   <c:v>5.648</c:v>
                 </c:pt>
                 <c:pt idx="11">
-                  <c:v>5.321999999999997</c:v>
+                  <c:v>5.321999999999996</c:v>
                 </c:pt>
                 <c:pt idx="12">
                   <c:v>4.956</c:v>
@@ -1026,11 +1022,11 @@
           <c:showBubbleSize val="0"/>
         </c:dLbls>
         <c:smooth val="0"/>
-        <c:axId val="-861236912"/>
-        <c:axId val="-861234592"/>
+        <c:axId val="1683925248"/>
+        <c:axId val="1683927728"/>
       </c:lineChart>
       <c:catAx>
-        <c:axId val="-861236912"/>
+        <c:axId val="1683925248"/>
         <c:scaling>
           <c:orientation val="minMax"/>
         </c:scaling>
@@ -1073,7 +1069,7 @@
             <a:endParaRPr lang="en-US"/>
           </a:p>
         </c:txPr>
-        <c:crossAx val="-861234592"/>
+        <c:crossAx val="1683927728"/>
         <c:crosses val="autoZero"/>
         <c:auto val="1"/>
         <c:lblAlgn val="ctr"/>
@@ -1081,7 +1077,7 @@
         <c:noMultiLvlLbl val="0"/>
       </c:catAx>
       <c:valAx>
-        <c:axId val="-861234592"/>
+        <c:axId val="1683927728"/>
         <c:scaling>
           <c:orientation val="minMax"/>
         </c:scaling>
@@ -1131,7 +1127,7 @@
             <a:endParaRPr lang="en-US"/>
           </a:p>
         </c:txPr>
-        <c:crossAx val="-861236912"/>
+        <c:crossAx val="1683925248"/>
         <c:crosses val="autoZero"/>
         <c:crossBetween val="between"/>
       </c:valAx>
@@ -1428,11 +1424,11 @@
           <c:showBubbleSize val="0"/>
         </c:dLbls>
         <c:smooth val="0"/>
-        <c:axId val="-861280640"/>
-        <c:axId val="-861278320"/>
+        <c:axId val="1683960384"/>
+        <c:axId val="1683963136"/>
       </c:lineChart>
       <c:catAx>
-        <c:axId val="-861280640"/>
+        <c:axId val="1683960384"/>
         <c:scaling>
           <c:orientation val="minMax"/>
         </c:scaling>
@@ -1475,7 +1471,7 @@
             <a:endParaRPr lang="en-US"/>
           </a:p>
         </c:txPr>
-        <c:crossAx val="-861278320"/>
+        <c:crossAx val="1683963136"/>
         <c:crosses val="autoZero"/>
         <c:auto val="1"/>
         <c:lblAlgn val="ctr"/>
@@ -1483,7 +1479,7 @@
         <c:noMultiLvlLbl val="0"/>
       </c:catAx>
       <c:valAx>
-        <c:axId val="-861278320"/>
+        <c:axId val="1683963136"/>
         <c:scaling>
           <c:orientation val="minMax"/>
         </c:scaling>
@@ -1533,7 +1529,7 @@
             <a:endParaRPr lang="en-US"/>
           </a:p>
         </c:txPr>
-        <c:crossAx val="-861280640"/>
+        <c:crossAx val="1683960384"/>
         <c:crosses val="autoZero"/>
         <c:crossBetween val="between"/>
       </c:valAx>
@@ -3398,7 +3394,7 @@
           <a:p>
             <a:fld id="{A99A0C9D-E2A4-BF49-87B5-97E122F6E61E}" type="datetimeFigureOut">
               <a:rPr lang="en-US" smtClean="0"/>
-              <a:t>4/3/18</a:t>
+              <a:t>4/4/18</a:t>
             </a:fld>
             <a:endParaRPr lang="en-US"/>
           </a:p>
@@ -3497,12 +3493,12 @@
   <p:clrMapOvr>
     <a:masterClrMapping/>
   </p:clrMapOvr>
-  <mc:AlternateContent xmlns:mc="http://schemas.openxmlformats.org/markup-compatibility/2006" xmlns:p14="http://schemas.microsoft.com/office/powerpoint/2010/main">
-    <mc:Choice Requires="p14">
-      <p:transition spd="slow" p14:dur="2000" advClick="0" advTm="300"/>
+  <mc:AlternateContent xmlns:mc="http://schemas.openxmlformats.org/markup-compatibility/2006">
+    <mc:Choice xmlns:p14="http://schemas.microsoft.com/office/powerpoint/2010/main" Requires="p14">
+      <p:transition spd="slow" p14:dur="5000" advClick="0" advTm="30000"/>
     </mc:Choice>
-    <mc:Fallback xmlns="">
-      <p:transition spd="slow" advClick="0" advTm="300"/>
+    <mc:Fallback>
+      <p:transition spd="slow" advClick="0" advTm="30000"/>
     </mc:Fallback>
   </mc:AlternateContent>
 </p:sldLayout>
@@ -3617,7 +3613,7 @@
           <a:p>
             <a:fld id="{A99A0C9D-E2A4-BF49-87B5-97E122F6E61E}" type="datetimeFigureOut">
               <a:rPr lang="en-US" smtClean="0"/>
-              <a:t>4/3/18</a:t>
+              <a:t>4/4/18</a:t>
             </a:fld>
             <a:endParaRPr lang="en-US"/>
           </a:p>
@@ -3706,12 +3702,12 @@
   <p:clrMapOvr>
     <a:masterClrMapping/>
   </p:clrMapOvr>
-  <mc:AlternateContent xmlns:mc="http://schemas.openxmlformats.org/markup-compatibility/2006" xmlns:p14="http://schemas.microsoft.com/office/powerpoint/2010/main">
-    <mc:Choice Requires="p14">
-      <p:transition spd="slow" p14:dur="2000" advClick="0" advTm="300"/>
+  <mc:AlternateContent xmlns:mc="http://schemas.openxmlformats.org/markup-compatibility/2006">
+    <mc:Choice xmlns:p14="http://schemas.microsoft.com/office/powerpoint/2010/main" Requires="p14">
+      <p:transition spd="slow" p14:dur="5000" advClick="0" advTm="30000"/>
     </mc:Choice>
-    <mc:Fallback xmlns="">
-      <p:transition spd="slow" advClick="0" advTm="300"/>
+    <mc:Fallback>
+      <p:transition spd="slow" advClick="0" advTm="30000"/>
     </mc:Fallback>
   </mc:AlternateContent>
 </p:sldLayout>
@@ -3840,7 +3836,7 @@
           <a:p>
             <a:fld id="{A99A0C9D-E2A4-BF49-87B5-97E122F6E61E}" type="datetimeFigureOut">
               <a:rPr lang="en-US" smtClean="0"/>
-              <a:t>4/3/18</a:t>
+              <a:t>4/4/18</a:t>
             </a:fld>
             <a:endParaRPr lang="en-US"/>
           </a:p>
@@ -3929,12 +3925,12 @@
   <p:clrMapOvr>
     <a:masterClrMapping/>
   </p:clrMapOvr>
-  <mc:AlternateContent xmlns:mc="http://schemas.openxmlformats.org/markup-compatibility/2006" xmlns:p14="http://schemas.microsoft.com/office/powerpoint/2010/main">
-    <mc:Choice Requires="p14">
-      <p:transition spd="slow" p14:dur="2000" advClick="0" advTm="300"/>
+  <mc:AlternateContent xmlns:mc="http://schemas.openxmlformats.org/markup-compatibility/2006">
+    <mc:Choice xmlns:p14="http://schemas.microsoft.com/office/powerpoint/2010/main" Requires="p14">
+      <p:transition spd="slow" p14:dur="5000" advClick="0" advTm="30000"/>
     </mc:Choice>
-    <mc:Fallback xmlns="">
-      <p:transition spd="slow" advClick="0" advTm="300"/>
+    <mc:Fallback>
+      <p:transition spd="slow" advClick="0" advTm="30000"/>
     </mc:Fallback>
   </mc:AlternateContent>
 </p:sldLayout>
@@ -4049,7 +4045,7 @@
           <a:p>
             <a:fld id="{A99A0C9D-E2A4-BF49-87B5-97E122F6E61E}" type="datetimeFigureOut">
               <a:rPr lang="en-US" smtClean="0"/>
-              <a:t>4/3/18</a:t>
+              <a:t>4/4/18</a:t>
             </a:fld>
             <a:endParaRPr lang="en-US"/>
           </a:p>
@@ -4138,12 +4134,12 @@
   <p:clrMapOvr>
     <a:masterClrMapping/>
   </p:clrMapOvr>
-  <mc:AlternateContent xmlns:mc="http://schemas.openxmlformats.org/markup-compatibility/2006" xmlns:p14="http://schemas.microsoft.com/office/powerpoint/2010/main">
-    <mc:Choice Requires="p14">
-      <p:transition spd="slow" p14:dur="2000" advClick="0" advTm="300"/>
+  <mc:AlternateContent xmlns:mc="http://schemas.openxmlformats.org/markup-compatibility/2006">
+    <mc:Choice xmlns:p14="http://schemas.microsoft.com/office/powerpoint/2010/main" Requires="p14">
+      <p:transition spd="slow" p14:dur="5000" advClick="0" advTm="30000"/>
     </mc:Choice>
-    <mc:Fallback xmlns="">
-      <p:transition spd="slow" advClick="0" advTm="300"/>
+    <mc:Fallback>
+      <p:transition spd="slow" advClick="0" advTm="30000"/>
     </mc:Fallback>
   </mc:AlternateContent>
 </p:sldLayout>
@@ -4336,7 +4332,7 @@
           <a:p>
             <a:fld id="{A99A0C9D-E2A4-BF49-87B5-97E122F6E61E}" type="datetimeFigureOut">
               <a:rPr lang="en-US" smtClean="0"/>
-              <a:t>4/3/18</a:t>
+              <a:t>4/4/18</a:t>
             </a:fld>
             <a:endParaRPr lang="en-US"/>
           </a:p>
@@ -4425,12 +4421,12 @@
   <p:clrMapOvr>
     <a:masterClrMapping/>
   </p:clrMapOvr>
-  <mc:AlternateContent xmlns:mc="http://schemas.openxmlformats.org/markup-compatibility/2006" xmlns:p14="http://schemas.microsoft.com/office/powerpoint/2010/main">
-    <mc:Choice Requires="p14">
-      <p:transition spd="slow" p14:dur="2000" advClick="0" advTm="300"/>
+  <mc:AlternateContent xmlns:mc="http://schemas.openxmlformats.org/markup-compatibility/2006">
+    <mc:Choice xmlns:p14="http://schemas.microsoft.com/office/powerpoint/2010/main" Requires="p14">
+      <p:transition spd="slow" p14:dur="5000" advClick="0" advTm="30000"/>
     </mc:Choice>
-    <mc:Fallback xmlns="">
-      <p:transition spd="slow" advClick="0" advTm="300"/>
+    <mc:Fallback>
+      <p:transition spd="slow" advClick="0" advTm="30000"/>
     </mc:Fallback>
   </mc:AlternateContent>
 </p:sldLayout>
@@ -4612,7 +4608,7 @@
           <a:p>
             <a:fld id="{A99A0C9D-E2A4-BF49-87B5-97E122F6E61E}" type="datetimeFigureOut">
               <a:rPr lang="en-US" smtClean="0"/>
-              <a:t>4/3/18</a:t>
+              <a:t>4/4/18</a:t>
             </a:fld>
             <a:endParaRPr lang="en-US"/>
           </a:p>
@@ -4701,12 +4697,12 @@
   <p:clrMapOvr>
     <a:masterClrMapping/>
   </p:clrMapOvr>
-  <mc:AlternateContent xmlns:mc="http://schemas.openxmlformats.org/markup-compatibility/2006" xmlns:p14="http://schemas.microsoft.com/office/powerpoint/2010/main">
-    <mc:Choice Requires="p14">
-      <p:transition spd="slow" p14:dur="2000" advClick="0" advTm="300"/>
+  <mc:AlternateContent xmlns:mc="http://schemas.openxmlformats.org/markup-compatibility/2006">
+    <mc:Choice xmlns:p14="http://schemas.microsoft.com/office/powerpoint/2010/main" Requires="p14">
+      <p:transition spd="slow" p14:dur="5000" advClick="0" advTm="30000"/>
     </mc:Choice>
-    <mc:Fallback xmlns="">
-      <p:transition spd="slow" advClick="0" advTm="300"/>
+    <mc:Fallback>
+      <p:transition spd="slow" advClick="0" advTm="30000"/>
     </mc:Fallback>
   </mc:AlternateContent>
 </p:sldLayout>
@@ -5036,7 +5032,7 @@
           <a:p>
             <a:fld id="{A99A0C9D-E2A4-BF49-87B5-97E122F6E61E}" type="datetimeFigureOut">
               <a:rPr lang="en-US" smtClean="0"/>
-              <a:t>4/3/18</a:t>
+              <a:t>4/4/18</a:t>
             </a:fld>
             <a:endParaRPr lang="en-US"/>
           </a:p>
@@ -5125,12 +5121,12 @@
   <p:clrMapOvr>
     <a:masterClrMapping/>
   </p:clrMapOvr>
-  <mc:AlternateContent xmlns:mc="http://schemas.openxmlformats.org/markup-compatibility/2006" xmlns:p14="http://schemas.microsoft.com/office/powerpoint/2010/main">
-    <mc:Choice Requires="p14">
-      <p:transition spd="slow" p14:dur="2000" advClick="0" advTm="300"/>
+  <mc:AlternateContent xmlns:mc="http://schemas.openxmlformats.org/markup-compatibility/2006">
+    <mc:Choice xmlns:p14="http://schemas.microsoft.com/office/powerpoint/2010/main" Requires="p14">
+      <p:transition spd="slow" p14:dur="5000" advClick="0" advTm="30000"/>
     </mc:Choice>
-    <mc:Fallback xmlns="">
-      <p:transition spd="slow" advClick="0" advTm="300"/>
+    <mc:Fallback>
+      <p:transition spd="slow" advClick="0" advTm="30000"/>
     </mc:Fallback>
   </mc:AlternateContent>
 </p:sldLayout>
@@ -5193,7 +5189,7 @@
           <a:p>
             <a:fld id="{A99A0C9D-E2A4-BF49-87B5-97E122F6E61E}" type="datetimeFigureOut">
               <a:rPr lang="en-US" smtClean="0"/>
-              <a:t>4/3/18</a:t>
+              <a:t>4/4/18</a:t>
             </a:fld>
             <a:endParaRPr lang="en-US"/>
           </a:p>
@@ -5282,12 +5278,12 @@
   <p:clrMapOvr>
     <a:masterClrMapping/>
   </p:clrMapOvr>
-  <mc:AlternateContent xmlns:mc="http://schemas.openxmlformats.org/markup-compatibility/2006" xmlns:p14="http://schemas.microsoft.com/office/powerpoint/2010/main">
-    <mc:Choice Requires="p14">
-      <p:transition spd="slow" p14:dur="2000" advClick="0" advTm="300"/>
+  <mc:AlternateContent xmlns:mc="http://schemas.openxmlformats.org/markup-compatibility/2006">
+    <mc:Choice xmlns:p14="http://schemas.microsoft.com/office/powerpoint/2010/main" Requires="p14">
+      <p:transition spd="slow" p14:dur="5000" advClick="0" advTm="30000"/>
     </mc:Choice>
-    <mc:Fallback xmlns="">
-      <p:transition spd="slow" advClick="0" advTm="300"/>
+    <mc:Fallback>
+      <p:transition spd="slow" advClick="0" advTm="30000"/>
     </mc:Fallback>
   </mc:AlternateContent>
 </p:sldLayout>
@@ -5327,7 +5323,7 @@
           <a:p>
             <a:fld id="{A99A0C9D-E2A4-BF49-87B5-97E122F6E61E}" type="datetimeFigureOut">
               <a:rPr lang="en-US" smtClean="0"/>
-              <a:t>4/3/18</a:t>
+              <a:t>4/4/18</a:t>
             </a:fld>
             <a:endParaRPr lang="en-US"/>
           </a:p>
@@ -5385,12 +5381,12 @@
   <p:clrMapOvr>
     <a:masterClrMapping/>
   </p:clrMapOvr>
-  <mc:AlternateContent xmlns:mc="http://schemas.openxmlformats.org/markup-compatibility/2006" xmlns:p14="http://schemas.microsoft.com/office/powerpoint/2010/main">
-    <mc:Choice Requires="p14">
-      <p:transition spd="slow" p14:dur="2000" advClick="0" advTm="300"/>
+  <mc:AlternateContent xmlns:mc="http://schemas.openxmlformats.org/markup-compatibility/2006">
+    <mc:Choice xmlns:p14="http://schemas.microsoft.com/office/powerpoint/2010/main" Requires="p14">
+      <p:transition spd="slow" p14:dur="5000" advClick="0" advTm="30000"/>
     </mc:Choice>
-    <mc:Fallback xmlns="">
-      <p:transition spd="slow" advClick="0" advTm="300"/>
+    <mc:Fallback>
+      <p:transition spd="slow" advClick="0" advTm="30000"/>
     </mc:Fallback>
   </mc:AlternateContent>
 </p:sldLayout>
@@ -5586,7 +5582,7 @@
           <a:p>
             <a:fld id="{A99A0C9D-E2A4-BF49-87B5-97E122F6E61E}" type="datetimeFigureOut">
               <a:rPr lang="en-US" smtClean="0"/>
-              <a:t>4/3/18</a:t>
+              <a:t>4/4/18</a:t>
             </a:fld>
             <a:endParaRPr lang="en-US"/>
           </a:p>
@@ -5675,12 +5671,12 @@
   <p:clrMapOvr>
     <a:masterClrMapping/>
   </p:clrMapOvr>
-  <mc:AlternateContent xmlns:mc="http://schemas.openxmlformats.org/markup-compatibility/2006" xmlns:p14="http://schemas.microsoft.com/office/powerpoint/2010/main">
-    <mc:Choice Requires="p14">
-      <p:transition spd="slow" p14:dur="2000" advClick="0" advTm="300"/>
+  <mc:AlternateContent xmlns:mc="http://schemas.openxmlformats.org/markup-compatibility/2006">
+    <mc:Choice xmlns:p14="http://schemas.microsoft.com/office/powerpoint/2010/main" Requires="p14">
+      <p:transition spd="slow" p14:dur="5000" advClick="0" advTm="30000"/>
     </mc:Choice>
-    <mc:Fallback xmlns="">
-      <p:transition spd="slow" advClick="0" advTm="300"/>
+    <mc:Fallback>
+      <p:transition spd="slow" advClick="0" advTm="30000"/>
     </mc:Fallback>
   </mc:AlternateContent>
 </p:sldLayout>
@@ -6039,7 +6035,7 @@
           <a:p>
             <a:fld id="{A99A0C9D-E2A4-BF49-87B5-97E122F6E61E}" type="datetimeFigureOut">
               <a:rPr lang="en-US" smtClean="0"/>
-              <a:t>4/3/18</a:t>
+              <a:t>4/4/18</a:t>
             </a:fld>
             <a:endParaRPr lang="en-US"/>
           </a:p>
@@ -6133,12 +6129,12 @@
   <p:clrMapOvr>
     <a:masterClrMapping/>
   </p:clrMapOvr>
-  <mc:AlternateContent xmlns:mc="http://schemas.openxmlformats.org/markup-compatibility/2006" xmlns:p14="http://schemas.microsoft.com/office/powerpoint/2010/main">
-    <mc:Choice Requires="p14">
-      <p:transition spd="slow" p14:dur="2000" advClick="0" advTm="300"/>
+  <mc:AlternateContent xmlns:mc="http://schemas.openxmlformats.org/markup-compatibility/2006">
+    <mc:Choice xmlns:p14="http://schemas.microsoft.com/office/powerpoint/2010/main" Requires="p14">
+      <p:transition spd="slow" p14:dur="5000" advClick="0" advTm="30000"/>
     </mc:Choice>
-    <mc:Fallback xmlns="">
-      <p:transition spd="slow" advClick="0" advTm="300"/>
+    <mc:Fallback>
+      <p:transition spd="slow" advClick="0" advTm="30000"/>
     </mc:Fallback>
   </mc:AlternateContent>
 </p:sldLayout>
@@ -6373,7 +6369,7 @@
           <a:p>
             <a:fld id="{A99A0C9D-E2A4-BF49-87B5-97E122F6E61E}" type="datetimeFigureOut">
               <a:rPr lang="en-US" smtClean="0"/>
-              <a:t>4/3/18</a:t>
+              <a:t>4/4/18</a:t>
             </a:fld>
             <a:endParaRPr lang="en-US"/>
           </a:p>
@@ -6513,12 +6509,12 @@
     <p:sldLayoutId id="2147483670" r:id="rId10"/>
     <p:sldLayoutId id="2147483671" r:id="rId11"/>
   </p:sldLayoutIdLst>
-  <mc:AlternateContent xmlns:mc="http://schemas.openxmlformats.org/markup-compatibility/2006" xmlns:p14="http://schemas.microsoft.com/office/powerpoint/2010/main">
-    <mc:Choice Requires="p14">
-      <p:transition spd="slow" p14:dur="2000" advClick="0" advTm="300"/>
+  <mc:AlternateContent xmlns:mc="http://schemas.openxmlformats.org/markup-compatibility/2006">
+    <mc:Choice xmlns:p14="http://schemas.microsoft.com/office/powerpoint/2010/main" Requires="p14">
+      <p:transition spd="slow" p14:dur="5000" advClick="0" advTm="30000"/>
     </mc:Choice>
-    <mc:Fallback xmlns="">
-      <p:transition spd="slow" advClick="0" advTm="300"/>
+    <mc:Fallback>
+      <p:transition spd="slow" advClick="0" advTm="30000"/>
     </mc:Fallback>
   </mc:AlternateContent>
   <p:txStyles>
@@ -6925,7 +6921,7 @@
           <p:cNvPr id="17" name="Rectangle 16">
             <a:extLst>
               <a:ext uri="{FF2B5EF4-FFF2-40B4-BE49-F238E27FC236}">
-                <a16:creationId xmlns:a16="http://schemas.microsoft.com/office/drawing/2014/main" xmlns="" id="{6A0FFA78-985C-4F50-B21A-77045C7DF657}"/>
+                <a16:creationId xmlns="" xmlns:a16="http://schemas.microsoft.com/office/drawing/2014/main" id="{6A0FFA78-985C-4F50-B21A-77045C7DF657}"/>
               </a:ext>
             </a:extLst>
           </p:cNvPr>
@@ -6985,7 +6981,7 @@
           <p:cNvPr id="19" name="Straight Connector 18">
             <a:extLst>
               <a:ext uri="{FF2B5EF4-FFF2-40B4-BE49-F238E27FC236}">
-                <a16:creationId xmlns:a16="http://schemas.microsoft.com/office/drawing/2014/main" xmlns="" id="{65409EC7-69B1-45CC-8FB7-1964C1AB6720}"/>
+                <a16:creationId xmlns="" xmlns:a16="http://schemas.microsoft.com/office/drawing/2014/main" id="{65409EC7-69B1-45CC-8FB7-1964C1AB6720}"/>
               </a:ext>
             </a:extLst>
           </p:cNvPr>
@@ -7078,12 +7074,36 @@
           <a:lstStyle/>
           <a:p>
             <a:r>
+              <a:rPr lang="en-US" sz="2800" dirty="0">
+                <a:solidFill>
+                  <a:srgbClr val="FFFFFE"/>
+                </a:solidFill>
+              </a:rPr>
+              <a:t>Why HAVE the Chinese become </a:t>
+            </a:r>
+            <a:r>
               <a:rPr lang="en-US" sz="2800">
                 <a:solidFill>
                   <a:srgbClr val="FFFFFE"/>
                 </a:solidFill>
               </a:rPr>
-              <a:t>Why HAVE the Chinese become more tolerate on puppy love SINCE late 2000s:  A Functional ANALYSIS</a:t>
+              <a:t>more </a:t>
+            </a:r>
+            <a:r>
+              <a:rPr lang="en-US" sz="2800" smtClean="0">
+                <a:solidFill>
+                  <a:srgbClr val="FFFFFE"/>
+                </a:solidFill>
+              </a:rPr>
+              <a:t>tolerant </a:t>
+            </a:r>
+            <a:r>
+              <a:rPr lang="en-US" sz="2800" dirty="0">
+                <a:solidFill>
+                  <a:srgbClr val="FFFFFE"/>
+                </a:solidFill>
+              </a:rPr>
+              <a:t>on puppy love SINCE late 2000s:  A Functional ANALYSIS</a:t>
             </a:r>
           </a:p>
         </p:txBody>
@@ -7131,14 +7151,21 @@
   <p:clrMapOvr>
     <a:masterClrMapping/>
   </p:clrMapOvr>
-  <mc:AlternateContent xmlns:mc="http://schemas.openxmlformats.org/markup-compatibility/2006" xmlns:p14="http://schemas.microsoft.com/office/powerpoint/2010/main">
-    <mc:Choice Requires="p14">
-      <p:transition spd="slow" p14:dur="2000" advClick="0" advTm="300"/>
+  <mc:AlternateContent xmlns:mc="http://schemas.openxmlformats.org/markup-compatibility/2006">
+    <mc:Choice xmlns:p14="http://schemas.microsoft.com/office/powerpoint/2010/main" Requires="p14">
+      <p:transition spd="slow" p14:dur="5000" advClick="0" advTm="30000"/>
     </mc:Choice>
-    <mc:Fallback xmlns="">
-      <p:transition spd="slow" advClick="0" advTm="300"/>
+    <mc:Fallback>
+      <p:transition spd="slow" advClick="0" advTm="30000"/>
     </mc:Fallback>
   </mc:AlternateContent>
+  <p:timing>
+    <p:tnLst>
+      <p:par>
+        <p:cTn id="1" dur="indefinite" restart="never" nodeType="tmRoot"/>
+      </p:par>
+    </p:tnLst>
+  </p:timing>
 </p:sld>
 </file>
 
@@ -7225,14 +7252,21 @@
   <p:clrMapOvr>
     <a:masterClrMapping/>
   </p:clrMapOvr>
-  <mc:AlternateContent xmlns:mc="http://schemas.openxmlformats.org/markup-compatibility/2006" xmlns:p14="http://schemas.microsoft.com/office/powerpoint/2010/main">
-    <mc:Choice Requires="p14">
-      <p:transition spd="slow" p14:dur="2000" advClick="0" advTm="300"/>
+  <mc:AlternateContent xmlns:mc="http://schemas.openxmlformats.org/markup-compatibility/2006">
+    <mc:Choice xmlns:p14="http://schemas.microsoft.com/office/powerpoint/2010/main" Requires="p14">
+      <p:transition spd="slow" p14:dur="30000" advClick="0" advTm="30000"/>
     </mc:Choice>
-    <mc:Fallback xmlns="">
-      <p:transition spd="slow" advClick="0" advTm="300"/>
+    <mc:Fallback>
+      <p:transition spd="slow" advClick="0" advTm="30000"/>
     </mc:Fallback>
   </mc:AlternateContent>
+  <p:timing>
+    <p:tnLst>
+      <p:par>
+        <p:cTn id="1" dur="indefinite" restart="never" nodeType="tmRoot"/>
+      </p:par>
+    </p:tnLst>
+  </p:timing>
 </p:sld>
 </file>
 
@@ -7288,7 +7322,7 @@
         </p:nvSpPr>
         <p:spPr>
           <a:xfrm>
-            <a:off x="838200" y="1343025"/>
+            <a:off x="995416" y="2024062"/>
             <a:ext cx="10515600" cy="4833938"/>
           </a:xfrm>
         </p:spPr>
@@ -7430,12 +7464,12 @@
   <p:clrMapOvr>
     <a:masterClrMapping/>
   </p:clrMapOvr>
-  <mc:AlternateContent xmlns:mc="http://schemas.openxmlformats.org/markup-compatibility/2006" xmlns:p14="http://schemas.microsoft.com/office/powerpoint/2010/main">
-    <mc:Choice Requires="p14">
-      <p:transition spd="slow" p14:dur="2000" advClick="0" advTm="300"/>
+  <mc:AlternateContent xmlns:mc="http://schemas.openxmlformats.org/markup-compatibility/2006">
+    <mc:Choice xmlns:p14="http://schemas.microsoft.com/office/powerpoint/2010/main" Requires="p14">
+      <p:transition spd="slow" p14:dur="5000" advClick="0" advTm="30000"/>
     </mc:Choice>
-    <mc:Fallback xmlns="">
-      <p:transition spd="slow" advClick="0" advTm="300"/>
+    <mc:Fallback>
+      <p:transition spd="slow" advClick="0" advTm="30000"/>
     </mc:Fallback>
   </mc:AlternateContent>
   <p:timing>
@@ -7601,14 +7635,21 @@
   <p:clrMapOvr>
     <a:masterClrMapping/>
   </p:clrMapOvr>
-  <mc:AlternateContent xmlns:mc="http://schemas.openxmlformats.org/markup-compatibility/2006" xmlns:p14="http://schemas.microsoft.com/office/powerpoint/2010/main">
-    <mc:Choice Requires="p14">
-      <p:transition spd="slow" p14:dur="2000" advClick="0" advTm="300"/>
+  <mc:AlternateContent xmlns:mc="http://schemas.openxmlformats.org/markup-compatibility/2006">
+    <mc:Choice xmlns:p14="http://schemas.microsoft.com/office/powerpoint/2010/main" Requires="p14">
+      <p:transition spd="slow" p14:dur="5000" advClick="0" advTm="30000"/>
     </mc:Choice>
-    <mc:Fallback xmlns="">
-      <p:transition spd="slow" advClick="0" advTm="300"/>
+    <mc:Fallback>
+      <p:transition spd="slow" advClick="0" advTm="30000"/>
     </mc:Fallback>
   </mc:AlternateContent>
+  <p:timing>
+    <p:tnLst>
+      <p:par>
+        <p:cTn id="1" dur="indefinite" restart="never" nodeType="tmRoot"/>
+      </p:par>
+    </p:tnLst>
+  </p:timing>
 </p:sld>
 </file>
 
@@ -7700,14 +7741,21 @@
   <p:clrMapOvr>
     <a:masterClrMapping/>
   </p:clrMapOvr>
-  <mc:AlternateContent xmlns:mc="http://schemas.openxmlformats.org/markup-compatibility/2006" xmlns:p14="http://schemas.microsoft.com/office/powerpoint/2010/main">
-    <mc:Choice Requires="p14">
-      <p:transition spd="slow" p14:dur="2000" advClick="0" advTm="300"/>
+  <mc:AlternateContent xmlns:mc="http://schemas.openxmlformats.org/markup-compatibility/2006">
+    <mc:Choice xmlns:p14="http://schemas.microsoft.com/office/powerpoint/2010/main" Requires="p14">
+      <p:transition spd="slow" p14:dur="5000" advClick="0" advTm="30000"/>
     </mc:Choice>
-    <mc:Fallback xmlns="">
-      <p:transition spd="slow" advClick="0" advTm="300"/>
+    <mc:Fallback>
+      <p:transition spd="slow" advClick="0" advTm="30000"/>
     </mc:Fallback>
   </mc:AlternateContent>
+  <p:timing>
+    <p:tnLst>
+      <p:par>
+        <p:cTn id="1" dur="indefinite" restart="never" nodeType="tmRoot"/>
+      </p:par>
+    </p:tnLst>
+  </p:timing>
 </p:sld>
 </file>
 
@@ -7768,11 +7816,7 @@
           <a:p>
             <a:r>
               <a:rPr lang="en-US" dirty="0" smtClean="0"/>
-              <a:t>Love relationships and marital status statistics from China Family Panel Studies (</a:t>
-            </a:r>
-            <a:r>
-              <a:rPr lang="en-US" dirty="0" smtClean="0"/>
-              <a:t>PKU and </a:t>
+              <a:t>Love relationships and marital status statistics from China Family Panel Studies (PKU and </a:t>
             </a:r>
             <a:r>
               <a:rPr lang="en-US" altLang="zh-CN" dirty="0" err="1" smtClean="0"/>
@@ -7786,7 +7830,6 @@
               <a:rPr lang="en-US" dirty="0" smtClean="0"/>
               <a:t>2015)</a:t>
             </a:r>
-            <a:endParaRPr lang="en-US" dirty="0" smtClean="0"/>
           </a:p>
           <a:p>
             <a:r>
@@ -7848,14 +7891,21 @@
   <p:clrMapOvr>
     <a:masterClrMapping/>
   </p:clrMapOvr>
-  <mc:AlternateContent xmlns:mc="http://schemas.openxmlformats.org/markup-compatibility/2006" xmlns:p14="http://schemas.microsoft.com/office/powerpoint/2010/main">
-    <mc:Choice Requires="p14">
-      <p:transition spd="slow" p14:dur="2000" advClick="0" advTm="300"/>
+  <mc:AlternateContent xmlns:mc="http://schemas.openxmlformats.org/markup-compatibility/2006">
+    <mc:Choice xmlns:p14="http://schemas.microsoft.com/office/powerpoint/2010/main" Requires="p14">
+      <p:transition spd="slow" p14:dur="5000" advClick="0" advTm="30000"/>
     </mc:Choice>
-    <mc:Fallback xmlns="">
-      <p:transition spd="slow" advClick="0" advTm="300"/>
+    <mc:Fallback>
+      <p:transition spd="slow" advClick="0" advTm="30000"/>
     </mc:Fallback>
   </mc:AlternateContent>
+  <p:timing>
+    <p:tnLst>
+      <p:par>
+        <p:cTn id="1" dur="indefinite" restart="never" nodeType="tmRoot"/>
+      </p:par>
+    </p:tnLst>
+  </p:timing>
 </p:sld>
 </file>
 
@@ -7905,7 +7955,7 @@
           <p:cNvPr id="9" name="Rectangle 8">
             <a:extLst>
               <a:ext uri="{FF2B5EF4-FFF2-40B4-BE49-F238E27FC236}">
-                <a16:creationId xmlns="" xmlns:a16="http://schemas.microsoft.com/office/drawing/2014/main" id="{35C3D674-3D59-4E93-80CA-0C0A9095E816}"/>
+                <a16:creationId xmlns:a16="http://schemas.microsoft.com/office/drawing/2014/main" xmlns="" id="{35C3D674-3D59-4E93-80CA-0C0A9095E816}"/>
               </a:ext>
             </a:extLst>
           </p:cNvPr>
@@ -7962,7 +8012,7 @@
           <p:cNvPr id="11" name="Rectangle 10">
             <a:extLst>
               <a:ext uri="{FF2B5EF4-FFF2-40B4-BE49-F238E27FC236}">
-                <a16:creationId xmlns="" xmlns:a16="http://schemas.microsoft.com/office/drawing/2014/main" id="{EF2A81E1-BCBE-426B-8C09-33274E69409D}"/>
+                <a16:creationId xmlns:a16="http://schemas.microsoft.com/office/drawing/2014/main" xmlns="" id="{EF2A81E1-BCBE-426B-8C09-33274E69409D}"/>
               </a:ext>
             </a:extLst>
           </p:cNvPr>
@@ -8033,7 +8083,7 @@
           <p:cNvPr id="13" name="Picture 12">
             <a:extLst>
               <a:ext uri="{FF2B5EF4-FFF2-40B4-BE49-F238E27FC236}">
-                <a16:creationId xmlns="" xmlns:a16="http://schemas.microsoft.com/office/drawing/2014/main" id="{39D1DDD4-5BB3-45BA-B9B3-06B62299AD79}"/>
+                <a16:creationId xmlns:a16="http://schemas.microsoft.com/office/drawing/2014/main" xmlns="" id="{39D1DDD4-5BB3-45BA-B9B3-06B62299AD79}"/>
               </a:ext>
             </a:extLst>
           </p:cNvPr>
@@ -8074,7 +8124,7 @@
           <p:cNvPr id="15" name="Straight Connector 14">
             <a:extLst>
               <a:ext uri="{FF2B5EF4-FFF2-40B4-BE49-F238E27FC236}">
-                <a16:creationId xmlns="" xmlns:a16="http://schemas.microsoft.com/office/drawing/2014/main" id="{A24DAE64-2302-42EA-8239-F2F0775CA5AD}"/>
+                <a16:creationId xmlns:a16="http://schemas.microsoft.com/office/drawing/2014/main" xmlns="" id="{A24DAE64-2302-42EA-8239-F2F0775CA5AD}"/>
               </a:ext>
             </a:extLst>
           </p:cNvPr>
@@ -8125,7 +8175,7 @@
           <p:cNvPr id="17" name="Straight Connector 16">
             <a:extLst>
               <a:ext uri="{FF2B5EF4-FFF2-40B4-BE49-F238E27FC236}">
-                <a16:creationId xmlns="" xmlns:a16="http://schemas.microsoft.com/office/drawing/2014/main" id="{C884B8F8-FDC9-498B-9960-5D7260AFCB03}"/>
+                <a16:creationId xmlns:a16="http://schemas.microsoft.com/office/drawing/2014/main" xmlns="" id="{C884B8F8-FDC9-498B-9960-5D7260AFCB03}"/>
               </a:ext>
             </a:extLst>
           </p:cNvPr>
@@ -8283,14 +8333,21 @@
   <p:clrMapOvr>
     <a:masterClrMapping/>
   </p:clrMapOvr>
-  <mc:AlternateContent xmlns:mc="http://schemas.openxmlformats.org/markup-compatibility/2006" xmlns:p14="http://schemas.microsoft.com/office/powerpoint/2010/main">
-    <mc:Choice Requires="p14">
-      <p:transition spd="slow" p14:dur="2000" advClick="0" advTm="300"/>
+  <mc:AlternateContent xmlns:mc="http://schemas.openxmlformats.org/markup-compatibility/2006">
+    <mc:Choice xmlns:p14="http://schemas.microsoft.com/office/powerpoint/2010/main" Requires="p14">
+      <p:transition spd="slow" p14:dur="5000" advClick="0" advTm="30000"/>
     </mc:Choice>
-    <mc:Fallback xmlns="">
-      <p:transition spd="slow" advClick="0" advTm="300"/>
+    <mc:Fallback>
+      <p:transition spd="slow" advClick="0" advTm="30000"/>
     </mc:Fallback>
   </mc:AlternateContent>
+  <p:timing>
+    <p:tnLst>
+      <p:par>
+        <p:cTn id="1" dur="indefinite" restart="never" nodeType="tmRoot"/>
+      </p:par>
+    </p:tnLst>
+  </p:timing>
 </p:sld>
 </file>
 
@@ -8340,7 +8397,7 @@
           <p:cNvPr id="9" name="Rectangle 8">
             <a:extLst>
               <a:ext uri="{FF2B5EF4-FFF2-40B4-BE49-F238E27FC236}">
-                <a16:creationId xmlns="" xmlns:a16="http://schemas.microsoft.com/office/drawing/2014/main" id="{35C3D674-3D59-4E93-80CA-0C0A9095E816}"/>
+                <a16:creationId xmlns:a16="http://schemas.microsoft.com/office/drawing/2014/main" xmlns="" id="{35C3D674-3D59-4E93-80CA-0C0A9095E816}"/>
               </a:ext>
             </a:extLst>
           </p:cNvPr>
@@ -8397,7 +8454,7 @@
           <p:cNvPr id="11" name="Rectangle 10">
             <a:extLst>
               <a:ext uri="{FF2B5EF4-FFF2-40B4-BE49-F238E27FC236}">
-                <a16:creationId xmlns="" xmlns:a16="http://schemas.microsoft.com/office/drawing/2014/main" id="{EF2A81E1-BCBE-426B-8C09-33274E69409D}"/>
+                <a16:creationId xmlns:a16="http://schemas.microsoft.com/office/drawing/2014/main" xmlns="" id="{EF2A81E1-BCBE-426B-8C09-33274E69409D}"/>
               </a:ext>
             </a:extLst>
           </p:cNvPr>
@@ -8468,7 +8525,7 @@
           <p:cNvPr id="13" name="Picture 12">
             <a:extLst>
               <a:ext uri="{FF2B5EF4-FFF2-40B4-BE49-F238E27FC236}">
-                <a16:creationId xmlns="" xmlns:a16="http://schemas.microsoft.com/office/drawing/2014/main" id="{39D1DDD4-5BB3-45BA-B9B3-06B62299AD79}"/>
+                <a16:creationId xmlns:a16="http://schemas.microsoft.com/office/drawing/2014/main" xmlns="" id="{39D1DDD4-5BB3-45BA-B9B3-06B62299AD79}"/>
               </a:ext>
             </a:extLst>
           </p:cNvPr>
@@ -8509,7 +8566,7 @@
           <p:cNvPr id="15" name="Straight Connector 14">
             <a:extLst>
               <a:ext uri="{FF2B5EF4-FFF2-40B4-BE49-F238E27FC236}">
-                <a16:creationId xmlns="" xmlns:a16="http://schemas.microsoft.com/office/drawing/2014/main" id="{A24DAE64-2302-42EA-8239-F2F0775CA5AD}"/>
+                <a16:creationId xmlns:a16="http://schemas.microsoft.com/office/drawing/2014/main" xmlns="" id="{A24DAE64-2302-42EA-8239-F2F0775CA5AD}"/>
               </a:ext>
             </a:extLst>
           </p:cNvPr>
@@ -8560,7 +8617,7 @@
           <p:cNvPr id="17" name="Straight Connector 16">
             <a:extLst>
               <a:ext uri="{FF2B5EF4-FFF2-40B4-BE49-F238E27FC236}">
-                <a16:creationId xmlns="" xmlns:a16="http://schemas.microsoft.com/office/drawing/2014/main" id="{C884B8F8-FDC9-498B-9960-5D7260AFCB03}"/>
+                <a16:creationId xmlns:a16="http://schemas.microsoft.com/office/drawing/2014/main" xmlns="" id="{C884B8F8-FDC9-498B-9960-5D7260AFCB03}"/>
               </a:ext>
             </a:extLst>
           </p:cNvPr>
@@ -8719,14 +8776,21 @@
   <p:clrMapOvr>
     <a:masterClrMapping/>
   </p:clrMapOvr>
-  <mc:AlternateContent xmlns:mc="http://schemas.openxmlformats.org/markup-compatibility/2006" xmlns:p14="http://schemas.microsoft.com/office/powerpoint/2010/main">
-    <mc:Choice Requires="p14">
-      <p:transition spd="slow" p14:dur="2000" advClick="0" advTm="300"/>
+  <mc:AlternateContent xmlns:mc="http://schemas.openxmlformats.org/markup-compatibility/2006">
+    <mc:Choice xmlns:p14="http://schemas.microsoft.com/office/powerpoint/2010/main" Requires="p14">
+      <p:transition spd="slow" p14:dur="5000" advClick="0" advTm="30000"/>
     </mc:Choice>
-    <mc:Fallback xmlns="">
-      <p:transition spd="slow" advClick="0" advTm="300"/>
+    <mc:Fallback>
+      <p:transition spd="slow" advClick="0" advTm="30000"/>
     </mc:Fallback>
   </mc:AlternateContent>
+  <p:timing>
+    <p:tnLst>
+      <p:par>
+        <p:cTn id="1" dur="indefinite" restart="never" nodeType="tmRoot"/>
+      </p:par>
+    </p:tnLst>
+  </p:timing>
 </p:sld>
 </file>
 
@@ -8827,23 +8891,14 @@
           <a:p>
             <a:r>
               <a:rPr lang="en-US" dirty="0" smtClean="0"/>
-              <a:t>Time Series Analysis: constructing </a:t>
-            </a:r>
+              <a:t>Time Series Analysis: constructing VAR models with exogenous variables and conduct Granger Causality test</a:t>
+            </a:r>
+          </a:p>
+          <a:p>
+            <a:pPr lvl="1"/>
             <a:r>
               <a:rPr lang="en-US" dirty="0" smtClean="0"/>
-              <a:t>VAR models with exogenous variables and conduct Granger Causality test</a:t>
-            </a:r>
-            <a:endParaRPr lang="en-US" dirty="0" smtClean="0"/>
-          </a:p>
-          <a:p>
-            <a:pPr lvl="1"/>
-            <a:r>
-              <a:rPr lang="en-US" dirty="0" smtClean="0"/>
-              <a:t>Tool: R </a:t>
-            </a:r>
-            <a:r>
-              <a:rPr lang="en-US" dirty="0" smtClean="0"/>
-              <a:t>studio</a:t>
+              <a:t>Tool: R studio</a:t>
             </a:r>
           </a:p>
         </p:txBody>
@@ -8858,14 +8913,21 @@
   <p:clrMapOvr>
     <a:masterClrMapping/>
   </p:clrMapOvr>
-  <mc:AlternateContent xmlns:mc="http://schemas.openxmlformats.org/markup-compatibility/2006" xmlns:p14="http://schemas.microsoft.com/office/powerpoint/2010/main">
-    <mc:Choice Requires="p14">
-      <p:transition spd="slow" p14:dur="2000" advClick="0" advTm="300"/>
+  <mc:AlternateContent xmlns:mc="http://schemas.openxmlformats.org/markup-compatibility/2006">
+    <mc:Choice xmlns:p14="http://schemas.microsoft.com/office/powerpoint/2010/main" Requires="p14">
+      <p:transition spd="slow" p14:dur="5000" advClick="0" advTm="30000"/>
     </mc:Choice>
-    <mc:Fallback xmlns="">
-      <p:transition spd="slow" advClick="0" advTm="300"/>
+    <mc:Fallback>
+      <p:transition spd="slow" advClick="0" advTm="30000"/>
     </mc:Fallback>
   </mc:AlternateContent>
+  <p:timing>
+    <p:tnLst>
+      <p:par>
+        <p:cTn id="1" dur="indefinite" restart="never" nodeType="tmRoot"/>
+      </p:par>
+    </p:tnLst>
+  </p:timing>
 </p:sld>
 </file>
 
@@ -8909,8 +8971,8 @@
           </a:p>
         </p:txBody>
       </p:sp>
-      <mc:AlternateContent xmlns:mc="http://schemas.openxmlformats.org/markup-compatibility/2006">
-        <mc:Choice xmlns:a14="http://schemas.microsoft.com/office/drawing/2010/main" Requires="a14">
+      <mc:AlternateContent xmlns:mc="http://schemas.openxmlformats.org/markup-compatibility/2006" xmlns:a14="http://schemas.microsoft.com/office/drawing/2010/main">
+        <mc:Choice Requires="a14">
           <p:sp>
             <p:nvSpPr>
               <p:cNvPr id="3" name="Content Placeholder 2"/>
@@ -9139,19 +9201,7 @@
                               <a:rPr lang="en-US" i="1">
                                 <a:latin typeface="Cambria Math" charset="0"/>
                               </a:rPr>
-                              <m:t>1</m:t>
-                            </m:r>
-                            <m:r>
-                              <a:rPr lang="en-US" i="1">
-                                <a:latin typeface="Cambria Math" charset="0"/>
-                              </a:rPr>
-                              <m:t>2</m:t>
-                            </m:r>
-                            <m:r>
-                              <a:rPr lang="en-US" i="1">
-                                <a:latin typeface="Cambria Math" charset="0"/>
-                              </a:rPr>
-                              <m:t>, </m:t>
+                              <m:t>12, </m:t>
                             </m:r>
                             <m:r>
                               <a:rPr lang="en-US" i="1">
@@ -9254,11 +9304,7 @@
               <a:p>
                 <a:r>
                   <a:rPr lang="en-US" dirty="0" smtClean="0"/>
-                  <a:t>Granger </a:t>
-                </a:r>
-                <a:r>
-                  <a:rPr lang="en-US" dirty="0" smtClean="0"/>
-                  <a:t>Causality: </a:t>
+                  <a:t>Granger Causality: </a:t>
                 </a:r>
               </a:p>
               <a:p>
@@ -9934,13 +9980,7 @@
                               <a:rPr lang="en-US" i="1">
                                 <a:latin typeface="Cambria Math" charset="0"/>
                               </a:rPr>
-                              <m:t>2</m:t>
-                            </m:r>
-                            <m:r>
-                              <a:rPr lang="en-US" i="1">
-                                <a:latin typeface="Cambria Math" charset="0"/>
-                              </a:rPr>
-                              <m:t>, </m:t>
+                              <m:t>2, </m:t>
                             </m:r>
                             <m:r>
                               <a:rPr lang="en-US" i="1">
@@ -10066,7 +10106,7 @@
             </p:txBody>
           </p:sp>
         </mc:Choice>
-        <mc:Fallback>
+        <mc:Fallback xmlns="">
           <p:sp>
             <p:nvSpPr>
               <p:cNvPr id="3" name="Content Placeholder 2"/>
@@ -10110,14 +10150,21 @@
   <p:clrMapOvr>
     <a:masterClrMapping/>
   </p:clrMapOvr>
-  <mc:AlternateContent xmlns:mc="http://schemas.openxmlformats.org/markup-compatibility/2006" xmlns:p14="http://schemas.microsoft.com/office/powerpoint/2010/main">
-    <mc:Choice Requires="p14">
-      <p:transition spd="slow" p14:dur="2000" advClick="0" advTm="300"/>
+  <mc:AlternateContent xmlns:mc="http://schemas.openxmlformats.org/markup-compatibility/2006">
+    <mc:Choice xmlns:p14="http://schemas.microsoft.com/office/powerpoint/2010/main" Requires="p14">
+      <p:transition spd="slow" p14:dur="5000" advClick="0" advTm="30000"/>
     </mc:Choice>
-    <mc:Fallback xmlns="">
-      <p:transition spd="slow" advClick="0" advTm="300"/>
+    <mc:Fallback>
+      <p:transition spd="slow" advClick="0" advTm="30000"/>
     </mc:Fallback>
   </mc:AlternateContent>
+  <p:timing>
+    <p:tnLst>
+      <p:par>
+        <p:cTn id="1" dur="indefinite" restart="never" nodeType="tmRoot"/>
+      </p:par>
+    </p:tnLst>
+  </p:timing>
 </p:sld>
 </file>
 
